--- a/회의노트_250407.pptx
+++ b/회의노트_250407.pptx
@@ -110,6 +110,11 @@
       </a:defRPr>
     </a:lvl9pPr>
   </p:defaultTextStyle>
+  <p:extLst>
+    <p:ext uri="{EFAFB233-063F-42B5-8137-9DF3F51BA10A}">
+      <p15:sldGuideLst xmlns:p15="http://schemas.microsoft.com/office/powerpoint/2012/main"/>
+    </p:ext>
+  </p:extLst>
 </p:presentation>
 </file>
 
@@ -260,7 +265,7 @@
           <a:p>
             <a:fld id="{53DC80EF-D90B-488E-BB99-7C605B2E19EC}" type="datetimeFigureOut">
               <a:rPr lang="ko-KR" altLang="en-US" smtClean="0"/>
-              <a:t>2025-04-07</a:t>
+              <a:t>2025-04-08</a:t>
             </a:fld>
             <a:endParaRPr lang="ko-KR" altLang="en-US"/>
           </a:p>
@@ -458,7 +463,7 @@
           <a:p>
             <a:fld id="{53DC80EF-D90B-488E-BB99-7C605B2E19EC}" type="datetimeFigureOut">
               <a:rPr lang="ko-KR" altLang="en-US" smtClean="0"/>
-              <a:t>2025-04-07</a:t>
+              <a:t>2025-04-08</a:t>
             </a:fld>
             <a:endParaRPr lang="ko-KR" altLang="en-US"/>
           </a:p>
@@ -666,7 +671,7 @@
           <a:p>
             <a:fld id="{53DC80EF-D90B-488E-BB99-7C605B2E19EC}" type="datetimeFigureOut">
               <a:rPr lang="ko-KR" altLang="en-US" smtClean="0"/>
-              <a:t>2025-04-07</a:t>
+              <a:t>2025-04-08</a:t>
             </a:fld>
             <a:endParaRPr lang="ko-KR" altLang="en-US"/>
           </a:p>
@@ -864,7 +869,7 @@
           <a:p>
             <a:fld id="{53DC80EF-D90B-488E-BB99-7C605B2E19EC}" type="datetimeFigureOut">
               <a:rPr lang="ko-KR" altLang="en-US" smtClean="0"/>
-              <a:t>2025-04-07</a:t>
+              <a:t>2025-04-08</a:t>
             </a:fld>
             <a:endParaRPr lang="ko-KR" altLang="en-US"/>
           </a:p>
@@ -1139,7 +1144,7 @@
           <a:p>
             <a:fld id="{53DC80EF-D90B-488E-BB99-7C605B2E19EC}" type="datetimeFigureOut">
               <a:rPr lang="ko-KR" altLang="en-US" smtClean="0"/>
-              <a:t>2025-04-07</a:t>
+              <a:t>2025-04-08</a:t>
             </a:fld>
             <a:endParaRPr lang="ko-KR" altLang="en-US"/>
           </a:p>
@@ -1404,7 +1409,7 @@
           <a:p>
             <a:fld id="{53DC80EF-D90B-488E-BB99-7C605B2E19EC}" type="datetimeFigureOut">
               <a:rPr lang="ko-KR" altLang="en-US" smtClean="0"/>
-              <a:t>2025-04-07</a:t>
+              <a:t>2025-04-08</a:t>
             </a:fld>
             <a:endParaRPr lang="ko-KR" altLang="en-US"/>
           </a:p>
@@ -1816,7 +1821,7 @@
           <a:p>
             <a:fld id="{53DC80EF-D90B-488E-BB99-7C605B2E19EC}" type="datetimeFigureOut">
               <a:rPr lang="ko-KR" altLang="en-US" smtClean="0"/>
-              <a:t>2025-04-07</a:t>
+              <a:t>2025-04-08</a:t>
             </a:fld>
             <a:endParaRPr lang="ko-KR" altLang="en-US"/>
           </a:p>
@@ -1957,7 +1962,7 @@
           <a:p>
             <a:fld id="{53DC80EF-D90B-488E-BB99-7C605B2E19EC}" type="datetimeFigureOut">
               <a:rPr lang="ko-KR" altLang="en-US" smtClean="0"/>
-              <a:t>2025-04-07</a:t>
+              <a:t>2025-04-08</a:t>
             </a:fld>
             <a:endParaRPr lang="ko-KR" altLang="en-US"/>
           </a:p>
@@ -2070,7 +2075,7 @@
           <a:p>
             <a:fld id="{53DC80EF-D90B-488E-BB99-7C605B2E19EC}" type="datetimeFigureOut">
               <a:rPr lang="ko-KR" altLang="en-US" smtClean="0"/>
-              <a:t>2025-04-07</a:t>
+              <a:t>2025-04-08</a:t>
             </a:fld>
             <a:endParaRPr lang="ko-KR" altLang="en-US"/>
           </a:p>
@@ -2381,7 +2386,7 @@
           <a:p>
             <a:fld id="{53DC80EF-D90B-488E-BB99-7C605B2E19EC}" type="datetimeFigureOut">
               <a:rPr lang="ko-KR" altLang="en-US" smtClean="0"/>
-              <a:t>2025-04-07</a:t>
+              <a:t>2025-04-08</a:t>
             </a:fld>
             <a:endParaRPr lang="ko-KR" altLang="en-US"/>
           </a:p>
@@ -2669,7 +2674,7 @@
           <a:p>
             <a:fld id="{53DC80EF-D90B-488E-BB99-7C605B2E19EC}" type="datetimeFigureOut">
               <a:rPr lang="ko-KR" altLang="en-US" smtClean="0"/>
-              <a:t>2025-04-07</a:t>
+              <a:t>2025-04-08</a:t>
             </a:fld>
             <a:endParaRPr lang="ko-KR" altLang="en-US"/>
           </a:p>
@@ -2910,7 +2915,7 @@
           <a:p>
             <a:fld id="{53DC80EF-D90B-488E-BB99-7C605B2E19EC}" type="datetimeFigureOut">
               <a:rPr lang="ko-KR" altLang="en-US" smtClean="0"/>
-              <a:t>2025-04-07</a:t>
+              <a:t>2025-04-08</a:t>
             </a:fld>
             <a:endParaRPr lang="ko-KR" altLang="en-US"/>
           </a:p>
@@ -3550,14 +3555,14 @@
           <p:nvPr>
             <p:extLst>
               <p:ext uri="{D42A27DB-BD31-4B8C-83A1-F6EECF244321}">
-                <p14:modId xmlns:p14="http://schemas.microsoft.com/office/powerpoint/2010/main" val="2759808053"/>
+                <p14:modId xmlns:p14="http://schemas.microsoft.com/office/powerpoint/2010/main" val="2981995466"/>
               </p:ext>
             </p:extLst>
           </p:nvPr>
         </p:nvGraphicFramePr>
         <p:xfrm>
           <a:off x="804092" y="1843072"/>
-          <a:ext cx="3158308" cy="2225040"/>
+          <a:ext cx="3158307" cy="2225040"/>
         </p:xfrm>
         <a:graphic>
           <a:graphicData uri="http://schemas.openxmlformats.org/drawingml/2006/table">
@@ -3566,14 +3571,21 @@
                 <a:tableStyleId>{5C22544A-7EE6-4342-B048-85BDC9FD1C3A}</a:tableStyleId>
               </a:tblPr>
               <a:tblGrid>
-                <a:gridCol w="1579154">
+                <a:gridCol w="1052769">
+                  <a:extLst>
+                    <a:ext uri="{9D8B030D-6E8A-4147-A177-3AD203B41FA5}">
+                      <a16:colId xmlns:a16="http://schemas.microsoft.com/office/drawing/2014/main" val="2518056161"/>
+                    </a:ext>
+                  </a:extLst>
+                </a:gridCol>
+                <a:gridCol w="1052769">
                   <a:extLst>
                     <a:ext uri="{9D8B030D-6E8A-4147-A177-3AD203B41FA5}">
                       <a16:colId xmlns:a16="http://schemas.microsoft.com/office/drawing/2014/main" val="3456393334"/>
                     </a:ext>
                   </a:extLst>
                 </a:gridCol>
-                <a:gridCol w="1579154">
+                <a:gridCol w="1052769">
                   <a:extLst>
                     <a:ext uri="{9D8B030D-6E8A-4147-A177-3AD203B41FA5}">
                       <a16:colId xmlns:a16="http://schemas.microsoft.com/office/drawing/2014/main" val="310793002"/>
@@ -3604,6 +3616,17 @@
                   </a:txBody>
                   <a:tcPr/>
                 </a:tc>
+                <a:tc>
+                  <a:txBody>
+                    <a:bodyPr/>
+                    <a:lstStyle/>
+                    <a:p>
+                      <a:pPr latinLnBrk="1"/>
+                      <a:endParaRPr lang="ko-KR" altLang="en-US" dirty="0"/>
+                    </a:p>
+                  </a:txBody>
+                  <a:tcPr/>
+                </a:tc>
                 <a:extLst>
                   <a:ext uri="{0D108BD9-81ED-4DB2-BD59-A6C34878D82A}">
                     <a16:rowId xmlns:a16="http://schemas.microsoft.com/office/drawing/2014/main" val="3512929568"/>
@@ -3611,6 +3634,21 @@
                 </a:extLst>
               </a:tr>
               <a:tr h="370840">
+                <a:tc>
+                  <a:txBody>
+                    <a:bodyPr/>
+                    <a:lstStyle/>
+                    <a:p>
+                      <a:pPr latinLnBrk="1"/>
+                      <a:r>
+                        <a:rPr lang="en-US" altLang="ko-KR" dirty="0"/>
+                        <a:t>a</a:t>
+                      </a:r>
+                      <a:endParaRPr lang="ko-KR" altLang="en-US" dirty="0"/>
+                    </a:p>
+                  </a:txBody>
+                  <a:tcPr/>
+                </a:tc>
                 <a:tc>
                   <a:txBody>
                     <a:bodyPr/>
@@ -3670,6 +3708,17 @@
                   </a:txBody>
                   <a:tcPr/>
                 </a:tc>
+                <a:tc>
+                  <a:txBody>
+                    <a:bodyPr/>
+                    <a:lstStyle/>
+                    <a:p>
+                      <a:pPr latinLnBrk="1"/>
+                      <a:endParaRPr lang="ko-KR" altLang="en-US"/>
+                    </a:p>
+                  </a:txBody>
+                  <a:tcPr/>
+                </a:tc>
                 <a:extLst>
                   <a:ext uri="{0D108BD9-81ED-4DB2-BD59-A6C34878D82A}">
                     <a16:rowId xmlns:a16="http://schemas.microsoft.com/office/drawing/2014/main" val="2535559398"/>
@@ -3677,6 +3726,17 @@
                 </a:extLst>
               </a:tr>
               <a:tr h="370840">
+                <a:tc>
+                  <a:txBody>
+                    <a:bodyPr/>
+                    <a:lstStyle/>
+                    <a:p>
+                      <a:pPr latinLnBrk="1"/>
+                      <a:endParaRPr lang="ko-KR" altLang="en-US"/>
+                    </a:p>
+                  </a:txBody>
+                  <a:tcPr/>
+                </a:tc>
                 <a:tc>
                   <a:txBody>
                     <a:bodyPr/>
@@ -3728,6 +3788,17 @@
                   </a:txBody>
                   <a:tcPr/>
                 </a:tc>
+                <a:tc>
+                  <a:txBody>
+                    <a:bodyPr/>
+                    <a:lstStyle/>
+                    <a:p>
+                      <a:pPr latinLnBrk="1"/>
+                      <a:endParaRPr lang="ko-KR" altLang="en-US"/>
+                    </a:p>
+                  </a:txBody>
+                  <a:tcPr/>
+                </a:tc>
                 <a:extLst>
                   <a:ext uri="{0D108BD9-81ED-4DB2-BD59-A6C34878D82A}">
                     <a16:rowId xmlns:a16="http://schemas.microsoft.com/office/drawing/2014/main" val="2671608938"/>
@@ -3735,6 +3806,17 @@
                 </a:extLst>
               </a:tr>
               <a:tr h="370840">
+                <a:tc>
+                  <a:txBody>
+                    <a:bodyPr/>
+                    <a:lstStyle/>
+                    <a:p>
+                      <a:pPr latinLnBrk="1"/>
+                      <a:endParaRPr lang="ko-KR" altLang="en-US" dirty="0"/>
+                    </a:p>
+                  </a:txBody>
+                  <a:tcPr/>
+                </a:tc>
                 <a:tc>
                   <a:txBody>
                     <a:bodyPr/>
@@ -3861,8 +3943,8 @@
         </p:nvSpPr>
         <p:spPr>
           <a:xfrm>
-            <a:off x="6557556" y="5486401"/>
-            <a:ext cx="2255520" cy="369332"/>
+            <a:off x="6557555" y="5486401"/>
+            <a:ext cx="2508069" cy="369332"/>
           </a:xfrm>
           <a:prstGeom prst="rect">
             <a:avLst/>
@@ -3885,11 +3967,11 @@
             </a:r>
             <a:r>
               <a:rPr lang="en-US" altLang="ko-KR" dirty="0" err="1"/>
-              <a:t>a+b</a:t>
+              <a:t>A+b</a:t>
             </a:r>
             <a:r>
               <a:rPr lang="en-US" altLang="ko-KR" dirty="0"/>
-              <a:t>”</a:t>
+              <a:t> (3-44)”</a:t>
             </a:r>
             <a:endParaRPr lang="ko-KR" altLang="en-US" dirty="0"/>
           </a:p>
@@ -3994,7 +4076,7 @@
           <a:p>
             <a:r>
               <a:rPr lang="en-US" altLang="ko-KR" dirty="0"/>
-              <a:t>3-44</a:t>
+              <a:t>a</a:t>
             </a:r>
           </a:p>
           <a:p>
